--- a/Image_Classification.pptx
+++ b/Image_Classification.pptx
@@ -117,6 +117,11 @@
       </a:defRPr>
     </a:lvl9pPr>
   </p:defaultTextStyle>
+  <p:extLst>
+    <p:ext uri="{EFAFB233-063F-42B5-8137-9DF3F51BA10A}">
+      <p15:sldGuideLst xmlns:p15="http://schemas.microsoft.com/office/powerpoint/2012/main"/>
+    </p:ext>
+  </p:extLst>
 </p:presentation>
 </file>
 
@@ -3899,7 +3904,7 @@
         </p:nvSpPr>
         <p:spPr>
           <a:xfrm>
-            <a:off x="7760501" y="4850511"/>
+            <a:off x="8740889" y="4846218"/>
             <a:ext cx="4116778" cy="926151"/>
           </a:xfrm>
           <a:prstGeom prst="rect">
@@ -4696,26 +4701,6 @@
             <a:r>
               <a:rPr lang="en-US" b="1" dirty="0"/>
               <a:t>The dataset was obtained through Kaggle which involves two folders of cat and dog images.</a:t>
-            </a:r>
-          </a:p>
-          <a:p>
-            <a:pPr marL="285750" indent="-285750">
-              <a:buFont typeface="Arial" panose="020B0604020202020204" pitchFamily="34" charset="0"/>
-              <a:buChar char="•"/>
-            </a:pPr>
-            <a:r>
-              <a:rPr lang="en-US" b="1" dirty="0"/>
-              <a:t>The imager package serves as the major breakthrough for image processing in R.</a:t>
-            </a:r>
-          </a:p>
-          <a:p>
-            <a:pPr marL="285750" indent="-285750">
-              <a:buFont typeface="Arial" panose="020B0604020202020204" pitchFamily="34" charset="0"/>
-              <a:buChar char="•"/>
-            </a:pPr>
-            <a:r>
-              <a:rPr lang="en-US" dirty="0"/>
-              <a:t>https://dahtah.github.io/imager/imager.html</a:t>
             </a:r>
           </a:p>
         </p:txBody>
